--- a/docs/weeks/week01.pptx
+++ b/docs/weeks/week01.pptx
@@ -3506,7 +3506,7 @@
             </a:pPr>
             <a:r>
               <a:rPr/>
-              <a:t>Your annotated bibliography is due Sun Feb 2 using OpenAlex or the Web of Science (WoS).</a:t>
+              <a:t>Your annotated bibliography for the final paper is due anytime before midterms. You can use OpenAlex or the Web of Science (WoS) to gather your annotations.</a:t>
             </a:r>
           </a:p>
           <a:p>
@@ -3518,7 +3518,7 @@
             </a:pPr>
             <a:r>
               <a:rPr b="1"/>
-              <a:t>Lab #1</a:t>
+              <a:t>Paper #1</a:t>
             </a:r>
           </a:p>
           <a:p>
@@ -3527,28 +3527,7 @@
             </a:pPr>
             <a:r>
               <a:rPr/>
-              <a:t>Lab 1 is due Sun Feb 16.</a:t>
-            </a:r>
-          </a:p>
-          <a:p>
-            <a:pPr lvl="0" indent="0" marL="0">
-              <a:spcBef>
-                <a:spcPts val="3000"/>
-              </a:spcBef>
-              <a:buNone/>
-            </a:pPr>
-            <a:r>
-              <a:rPr b="1"/>
-              <a:t>Paper #1</a:t>
-            </a:r>
-          </a:p>
-          <a:p>
-            <a:pPr lvl="0" indent="0" marL="0">
-              <a:buNone/>
-            </a:pPr>
-            <a:r>
-              <a:rPr/>
-              <a:t>You can read more about paper #1 </a:t>
+              <a:t>You can read more about the final paper </a:t>
             </a:r>
             <a:r>
               <a:rPr>
@@ -3567,7 +3546,7 @@
             </a:pPr>
             <a:r>
               <a:rPr/>
-              <a:t>See the instructions for paper assignments </a:t>
+              <a:t>See the instructions for paper assignments if you’d like to write more than one </a:t>
             </a:r>
             <a:r>
               <a:rPr>
